--- a/Nidelva/Variogram/ChooseCoef.pptx
+++ b/Nidelva/Variogram/ChooseCoef.pptx
@@ -6,6 +6,19 @@
   </p:sldMasterIdLst>
   <p:sldIdLst>
     <p:sldId id="256" r:id="rId2"/>
+    <p:sldId id="257" r:id="rId3"/>
+    <p:sldId id="258" r:id="rId4"/>
+    <p:sldId id="259" r:id="rId5"/>
+    <p:sldId id="260" r:id="rId6"/>
+    <p:sldId id="261" r:id="rId7"/>
+    <p:sldId id="268" r:id="rId8"/>
+    <p:sldId id="263" r:id="rId9"/>
+    <p:sldId id="267" r:id="rId10"/>
+    <p:sldId id="264" r:id="rId11"/>
+    <p:sldId id="265" r:id="rId12"/>
+    <p:sldId id="266" r:id="rId13"/>
+    <p:sldId id="269" r:id="rId14"/>
+    <p:sldId id="270" r:id="rId15"/>
   </p:sldIdLst>
   <p:sldSz cx="12192000" cy="6858000"/>
   <p:notesSz cx="6858000" cy="9144000"/>
@@ -3363,7 +3376,10 @@
           <a:bodyPr/>
           <a:lstStyle/>
           <a:p>
-            <a:endParaRPr lang="en-NO"/>
+            <a:r>
+              <a:rPr lang="en-NO" dirty="0"/>
+              <a:t>Salinity coef</a:t>
+            </a:r>
           </a:p>
         </p:txBody>
       </p:sp>
@@ -3385,10 +3401,45 @@
         </p:nvSpPr>
         <p:spPr/>
         <p:txBody>
-          <a:bodyPr/>
-          <a:lstStyle/>
-          <a:p>
-            <a:endParaRPr lang="en-NO"/>
+          <a:bodyPr>
+            <a:normAutofit lnSpcReduction="10000"/>
+          </a:bodyPr>
+          <a:lstStyle/>
+          <a:p>
+            <a:r>
+              <a:rPr lang="en-GB" dirty="0"/>
+              <a:t>S</a:t>
+            </a:r>
+            <a:r>
+              <a:rPr lang="en-NO" dirty="0"/>
+              <a:t>igma = sqrt(30)</a:t>
+            </a:r>
+          </a:p>
+          <a:p>
+            <a:r>
+              <a:rPr lang="en-GB" dirty="0"/>
+              <a:t>E</a:t>
+            </a:r>
+            <a:r>
+              <a:rPr lang="en-NO" dirty="0"/>
+              <a:t>ta = sqrt(3) / 500</a:t>
+            </a:r>
+          </a:p>
+          <a:p>
+            <a:r>
+              <a:rPr lang="en-GB" dirty="0"/>
+              <a:t>T</a:t>
+            </a:r>
+            <a:r>
+              <a:rPr lang="en-NO" dirty="0"/>
+              <a:t>au = 0.3</a:t>
+            </a:r>
+          </a:p>
+          <a:p>
+            <a:r>
+              <a:rPr lang="en-NO" dirty="0"/>
+              <a:t>Threshold = 23</a:t>
+            </a:r>
           </a:p>
         </p:txBody>
       </p:sp>
@@ -3396,6 +3447,1526 @@
     <p:extLst>
       <p:ext uri="{BB962C8B-B14F-4D97-AF65-F5344CB8AC3E}">
         <p14:creationId xmlns:p14="http://schemas.microsoft.com/office/powerpoint/2010/main" val="2233383049"/>
+      </p:ext>
+    </p:extLst>
+  </p:cSld>
+  <p:clrMapOvr>
+    <a:masterClrMapping/>
+  </p:clrMapOvr>
+</p:sld>
+</file>
+
+<file path=ppt/slides/slide10.xml><?xml version="1.0" encoding="utf-8"?>
+<p:sld xmlns:a="http://schemas.openxmlformats.org/drawingml/2006/main" xmlns:r="http://schemas.openxmlformats.org/officeDocument/2006/relationships" xmlns:p="http://schemas.openxmlformats.org/presentationml/2006/main">
+  <p:cSld>
+    <p:spTree>
+      <p:nvGrpSpPr>
+        <p:cNvPr id="1" name=""/>
+        <p:cNvGrpSpPr/>
+        <p:nvPr/>
+      </p:nvGrpSpPr>
+      <p:grpSpPr>
+        <a:xfrm>
+          <a:off x="0" y="0"/>
+          <a:ext cx="0" cy="0"/>
+          <a:chOff x="0" y="0"/>
+          <a:chExt cx="0" cy="0"/>
+        </a:xfrm>
+      </p:grpSpPr>
+      <p:pic>
+        <p:nvPicPr>
+          <p:cNvPr id="2" name="Picture 1">
+            <a:extLst>
+              <a:ext uri="{FF2B5EF4-FFF2-40B4-BE49-F238E27FC236}">
+                <a16:creationId xmlns:a16="http://schemas.microsoft.com/office/drawing/2014/main" id="{66133B54-C7C8-9745-A121-0AAA73E631BB}"/>
+              </a:ext>
+            </a:extLst>
+          </p:cNvPr>
+          <p:cNvPicPr>
+            <a:picLocks noChangeAspect="1"/>
+          </p:cNvPicPr>
+          <p:nvPr/>
+        </p:nvPicPr>
+        <p:blipFill>
+          <a:blip r:embed="rId2"/>
+          <a:stretch>
+            <a:fillRect/>
+          </a:stretch>
+        </p:blipFill>
+        <p:spPr>
+          <a:xfrm>
+            <a:off x="7315200" y="2533650"/>
+            <a:ext cx="3111500" cy="1790700"/>
+          </a:xfrm>
+          <a:prstGeom prst="rect">
+            <a:avLst/>
+          </a:prstGeom>
+        </p:spPr>
+      </p:pic>
+      <p:pic>
+        <p:nvPicPr>
+          <p:cNvPr id="4" name="Picture 3">
+            <a:extLst>
+              <a:ext uri="{FF2B5EF4-FFF2-40B4-BE49-F238E27FC236}">
+                <a16:creationId xmlns:a16="http://schemas.microsoft.com/office/drawing/2014/main" id="{7BB72138-8C3E-3F4B-82F1-108AD52FB864}"/>
+              </a:ext>
+            </a:extLst>
+          </p:cNvPr>
+          <p:cNvPicPr>
+            <a:picLocks noChangeAspect="1"/>
+          </p:cNvPicPr>
+          <p:nvPr/>
+        </p:nvPicPr>
+        <p:blipFill>
+          <a:blip r:embed="rId3"/>
+          <a:stretch>
+            <a:fillRect/>
+          </a:stretch>
+        </p:blipFill>
+        <p:spPr>
+          <a:xfrm>
+            <a:off x="0" y="1600200"/>
+            <a:ext cx="7315200" cy="3657600"/>
+          </a:xfrm>
+          <a:prstGeom prst="rect">
+            <a:avLst/>
+          </a:prstGeom>
+        </p:spPr>
+      </p:pic>
+      <p:sp>
+        <p:nvSpPr>
+          <p:cNvPr id="5" name="TextBox 4">
+            <a:extLst>
+              <a:ext uri="{FF2B5EF4-FFF2-40B4-BE49-F238E27FC236}">
+                <a16:creationId xmlns:a16="http://schemas.microsoft.com/office/drawing/2014/main" id="{748D4001-B8B4-364B-8976-CCF5750F14B1}"/>
+              </a:ext>
+            </a:extLst>
+          </p:cNvPr>
+          <p:cNvSpPr txBox="1"/>
+          <p:nvPr/>
+        </p:nvSpPr>
+        <p:spPr>
+          <a:xfrm>
+            <a:off x="786810" y="1230868"/>
+            <a:ext cx="1291316" cy="369332"/>
+          </a:xfrm>
+          <a:prstGeom prst="rect">
+            <a:avLst/>
+          </a:prstGeom>
+          <a:noFill/>
+        </p:spPr>
+        <p:txBody>
+          <a:bodyPr wrap="none" rtlCol="0">
+            <a:spAutoFit/>
+          </a:bodyPr>
+          <a:lstStyle/>
+          <a:p>
+            <a:r>
+              <a:rPr lang="en-NO" dirty="0"/>
+              <a:t>Depth 1.5m</a:t>
+            </a:r>
+          </a:p>
+        </p:txBody>
+      </p:sp>
+    </p:spTree>
+    <p:extLst>
+      <p:ext uri="{BB962C8B-B14F-4D97-AF65-F5344CB8AC3E}">
+        <p14:creationId xmlns:p14="http://schemas.microsoft.com/office/powerpoint/2010/main" val="3722740484"/>
+      </p:ext>
+    </p:extLst>
+  </p:cSld>
+  <p:clrMapOvr>
+    <a:masterClrMapping/>
+  </p:clrMapOvr>
+</p:sld>
+</file>
+
+<file path=ppt/slides/slide11.xml><?xml version="1.0" encoding="utf-8"?>
+<p:sld xmlns:a="http://schemas.openxmlformats.org/drawingml/2006/main" xmlns:r="http://schemas.openxmlformats.org/officeDocument/2006/relationships" xmlns:p="http://schemas.openxmlformats.org/presentationml/2006/main">
+  <p:cSld>
+    <p:spTree>
+      <p:nvGrpSpPr>
+        <p:cNvPr id="1" name=""/>
+        <p:cNvGrpSpPr/>
+        <p:nvPr/>
+      </p:nvGrpSpPr>
+      <p:grpSpPr>
+        <a:xfrm>
+          <a:off x="0" y="0"/>
+          <a:ext cx="0" cy="0"/>
+          <a:chOff x="0" y="0"/>
+          <a:chExt cx="0" cy="0"/>
+        </a:xfrm>
+      </p:grpSpPr>
+      <p:pic>
+        <p:nvPicPr>
+          <p:cNvPr id="2" name="Picture 1">
+            <a:extLst>
+              <a:ext uri="{FF2B5EF4-FFF2-40B4-BE49-F238E27FC236}">
+                <a16:creationId xmlns:a16="http://schemas.microsoft.com/office/drawing/2014/main" id="{4AF9B10F-9916-9F4A-8A88-199295F3CB18}"/>
+              </a:ext>
+            </a:extLst>
+          </p:cNvPr>
+          <p:cNvPicPr>
+            <a:picLocks noChangeAspect="1"/>
+          </p:cNvPicPr>
+          <p:nvPr/>
+        </p:nvPicPr>
+        <p:blipFill>
+          <a:blip r:embed="rId2"/>
+          <a:stretch>
+            <a:fillRect/>
+          </a:stretch>
+        </p:blipFill>
+        <p:spPr>
+          <a:xfrm>
+            <a:off x="7315200" y="2571750"/>
+            <a:ext cx="3124200" cy="1714500"/>
+          </a:xfrm>
+          <a:prstGeom prst="rect">
+            <a:avLst/>
+          </a:prstGeom>
+        </p:spPr>
+      </p:pic>
+      <p:pic>
+        <p:nvPicPr>
+          <p:cNvPr id="4" name="Picture 3">
+            <a:extLst>
+              <a:ext uri="{FF2B5EF4-FFF2-40B4-BE49-F238E27FC236}">
+                <a16:creationId xmlns:a16="http://schemas.microsoft.com/office/drawing/2014/main" id="{A1F07B92-137D-2E48-ABDE-22CAF569A692}"/>
+              </a:ext>
+            </a:extLst>
+          </p:cNvPr>
+          <p:cNvPicPr>
+            <a:picLocks noChangeAspect="1"/>
+          </p:cNvPicPr>
+          <p:nvPr/>
+        </p:nvPicPr>
+        <p:blipFill>
+          <a:blip r:embed="rId3"/>
+          <a:stretch>
+            <a:fillRect/>
+          </a:stretch>
+        </p:blipFill>
+        <p:spPr>
+          <a:xfrm>
+            <a:off x="0" y="1600200"/>
+            <a:ext cx="7315200" cy="3657600"/>
+          </a:xfrm>
+          <a:prstGeom prst="rect">
+            <a:avLst/>
+          </a:prstGeom>
+        </p:spPr>
+      </p:pic>
+      <p:sp>
+        <p:nvSpPr>
+          <p:cNvPr id="5" name="TextBox 4">
+            <a:extLst>
+              <a:ext uri="{FF2B5EF4-FFF2-40B4-BE49-F238E27FC236}">
+                <a16:creationId xmlns:a16="http://schemas.microsoft.com/office/drawing/2014/main" id="{7B7EB704-4553-3146-897B-DCCA80468FD8}"/>
+              </a:ext>
+            </a:extLst>
+          </p:cNvPr>
+          <p:cNvSpPr txBox="1"/>
+          <p:nvPr/>
+        </p:nvSpPr>
+        <p:spPr>
+          <a:xfrm>
+            <a:off x="786810" y="1230868"/>
+            <a:ext cx="1291316" cy="369332"/>
+          </a:xfrm>
+          <a:prstGeom prst="rect">
+            <a:avLst/>
+          </a:prstGeom>
+          <a:noFill/>
+        </p:spPr>
+        <p:txBody>
+          <a:bodyPr wrap="none" rtlCol="0">
+            <a:spAutoFit/>
+          </a:bodyPr>
+          <a:lstStyle/>
+          <a:p>
+            <a:r>
+              <a:rPr lang="en-NO" dirty="0"/>
+              <a:t>Depth 2.0m</a:t>
+            </a:r>
+          </a:p>
+        </p:txBody>
+      </p:sp>
+    </p:spTree>
+    <p:extLst>
+      <p:ext uri="{BB962C8B-B14F-4D97-AF65-F5344CB8AC3E}">
+        <p14:creationId xmlns:p14="http://schemas.microsoft.com/office/powerpoint/2010/main" val="3384169782"/>
+      </p:ext>
+    </p:extLst>
+  </p:cSld>
+  <p:clrMapOvr>
+    <a:masterClrMapping/>
+  </p:clrMapOvr>
+</p:sld>
+</file>
+
+<file path=ppt/slides/slide12.xml><?xml version="1.0" encoding="utf-8"?>
+<p:sld xmlns:a="http://schemas.openxmlformats.org/drawingml/2006/main" xmlns:r="http://schemas.openxmlformats.org/officeDocument/2006/relationships" xmlns:p="http://schemas.openxmlformats.org/presentationml/2006/main">
+  <p:cSld>
+    <p:spTree>
+      <p:nvGrpSpPr>
+        <p:cNvPr id="1" name=""/>
+        <p:cNvGrpSpPr/>
+        <p:nvPr/>
+      </p:nvGrpSpPr>
+      <p:grpSpPr>
+        <a:xfrm>
+          <a:off x="0" y="0"/>
+          <a:ext cx="0" cy="0"/>
+          <a:chOff x="0" y="0"/>
+          <a:chExt cx="0" cy="0"/>
+        </a:xfrm>
+      </p:grpSpPr>
+      <p:pic>
+        <p:nvPicPr>
+          <p:cNvPr id="2" name="Picture 1">
+            <a:extLst>
+              <a:ext uri="{FF2B5EF4-FFF2-40B4-BE49-F238E27FC236}">
+                <a16:creationId xmlns:a16="http://schemas.microsoft.com/office/drawing/2014/main" id="{FAB4573A-CA59-E442-8345-78373486CC7A}"/>
+              </a:ext>
+            </a:extLst>
+          </p:cNvPr>
+          <p:cNvPicPr>
+            <a:picLocks noChangeAspect="1"/>
+          </p:cNvPicPr>
+          <p:nvPr/>
+        </p:nvPicPr>
+        <p:blipFill>
+          <a:blip r:embed="rId2"/>
+          <a:stretch>
+            <a:fillRect/>
+          </a:stretch>
+        </p:blipFill>
+        <p:spPr>
+          <a:xfrm>
+            <a:off x="7315200" y="2609850"/>
+            <a:ext cx="3060700" cy="1638300"/>
+          </a:xfrm>
+          <a:prstGeom prst="rect">
+            <a:avLst/>
+          </a:prstGeom>
+        </p:spPr>
+      </p:pic>
+      <p:pic>
+        <p:nvPicPr>
+          <p:cNvPr id="4" name="Picture 3">
+            <a:extLst>
+              <a:ext uri="{FF2B5EF4-FFF2-40B4-BE49-F238E27FC236}">
+                <a16:creationId xmlns:a16="http://schemas.microsoft.com/office/drawing/2014/main" id="{7860880C-1C1C-1F41-9A0B-AE08B9463CD1}"/>
+              </a:ext>
+            </a:extLst>
+          </p:cNvPr>
+          <p:cNvPicPr>
+            <a:picLocks noChangeAspect="1"/>
+          </p:cNvPicPr>
+          <p:nvPr/>
+        </p:nvPicPr>
+        <p:blipFill>
+          <a:blip r:embed="rId3"/>
+          <a:stretch>
+            <a:fillRect/>
+          </a:stretch>
+        </p:blipFill>
+        <p:spPr>
+          <a:xfrm>
+            <a:off x="0" y="1600200"/>
+            <a:ext cx="7315200" cy="3657600"/>
+          </a:xfrm>
+          <a:prstGeom prst="rect">
+            <a:avLst/>
+          </a:prstGeom>
+        </p:spPr>
+      </p:pic>
+      <p:sp>
+        <p:nvSpPr>
+          <p:cNvPr id="5" name="TextBox 4">
+            <a:extLst>
+              <a:ext uri="{FF2B5EF4-FFF2-40B4-BE49-F238E27FC236}">
+                <a16:creationId xmlns:a16="http://schemas.microsoft.com/office/drawing/2014/main" id="{CF92B001-6564-E540-8F69-8A63A6F8BAF3}"/>
+              </a:ext>
+            </a:extLst>
+          </p:cNvPr>
+          <p:cNvSpPr txBox="1"/>
+          <p:nvPr/>
+        </p:nvSpPr>
+        <p:spPr>
+          <a:xfrm>
+            <a:off x="786810" y="1230868"/>
+            <a:ext cx="1291316" cy="369332"/>
+          </a:xfrm>
+          <a:prstGeom prst="rect">
+            <a:avLst/>
+          </a:prstGeom>
+          <a:noFill/>
+        </p:spPr>
+        <p:txBody>
+          <a:bodyPr wrap="none" rtlCol="0">
+            <a:spAutoFit/>
+          </a:bodyPr>
+          <a:lstStyle/>
+          <a:p>
+            <a:r>
+              <a:rPr lang="en-NO" dirty="0"/>
+              <a:t>Depth 2.5m</a:t>
+            </a:r>
+          </a:p>
+        </p:txBody>
+      </p:sp>
+    </p:spTree>
+    <p:extLst>
+      <p:ext uri="{BB962C8B-B14F-4D97-AF65-F5344CB8AC3E}">
+        <p14:creationId xmlns:p14="http://schemas.microsoft.com/office/powerpoint/2010/main" val="973170492"/>
+      </p:ext>
+    </p:extLst>
+  </p:cSld>
+  <p:clrMapOvr>
+    <a:masterClrMapping/>
+  </p:clrMapOvr>
+</p:sld>
+</file>
+
+<file path=ppt/slides/slide13.xml><?xml version="1.0" encoding="utf-8"?>
+<p:sld xmlns:a="http://schemas.openxmlformats.org/drawingml/2006/main" xmlns:r="http://schemas.openxmlformats.org/officeDocument/2006/relationships" xmlns:p="http://schemas.openxmlformats.org/presentationml/2006/main">
+  <p:cSld>
+    <p:spTree>
+      <p:nvGrpSpPr>
+        <p:cNvPr id="1" name=""/>
+        <p:cNvGrpSpPr/>
+        <p:nvPr/>
+      </p:nvGrpSpPr>
+      <p:grpSpPr>
+        <a:xfrm>
+          <a:off x="0" y="0"/>
+          <a:ext cx="0" cy="0"/>
+          <a:chOff x="0" y="0"/>
+          <a:chExt cx="0" cy="0"/>
+        </a:xfrm>
+      </p:grpSpPr>
+      <p:sp>
+        <p:nvSpPr>
+          <p:cNvPr id="2" name="Title 1">
+            <a:extLst>
+              <a:ext uri="{FF2B5EF4-FFF2-40B4-BE49-F238E27FC236}">
+                <a16:creationId xmlns:a16="http://schemas.microsoft.com/office/drawing/2014/main" id="{5B1F18C3-AA5C-BC46-BE2A-BE9D1225406C}"/>
+              </a:ext>
+            </a:extLst>
+          </p:cNvPr>
+          <p:cNvSpPr>
+            <a:spLocks noGrp="1"/>
+          </p:cNvSpPr>
+          <p:nvPr>
+            <p:ph type="ctrTitle"/>
+          </p:nvPr>
+        </p:nvSpPr>
+        <p:spPr/>
+        <p:txBody>
+          <a:bodyPr/>
+          <a:lstStyle/>
+          <a:p>
+            <a:r>
+              <a:rPr lang="en-NO" dirty="0"/>
+              <a:t>Salinity-Temperaure coef</a:t>
+            </a:r>
+          </a:p>
+        </p:txBody>
+      </p:sp>
+      <p:sp>
+        <p:nvSpPr>
+          <p:cNvPr id="3" name="Subtitle 2">
+            <a:extLst>
+              <a:ext uri="{FF2B5EF4-FFF2-40B4-BE49-F238E27FC236}">
+                <a16:creationId xmlns:a16="http://schemas.microsoft.com/office/drawing/2014/main" id="{37CA0276-F887-FB46-8AE2-D7FCEE96095C}"/>
+              </a:ext>
+            </a:extLst>
+          </p:cNvPr>
+          <p:cNvSpPr>
+            <a:spLocks noGrp="1"/>
+          </p:cNvSpPr>
+          <p:nvPr>
+            <p:ph type="subTitle" idx="1"/>
+          </p:nvPr>
+        </p:nvSpPr>
+        <p:spPr/>
+        <p:txBody>
+          <a:bodyPr>
+            <a:normAutofit/>
+          </a:bodyPr>
+          <a:lstStyle/>
+          <a:p>
+            <a:r>
+              <a:rPr lang="en-GB" dirty="0"/>
+              <a:t>S</a:t>
+            </a:r>
+            <a:r>
+              <a:rPr lang="en-NO" dirty="0"/>
+              <a:t>igma = 0.74</a:t>
+            </a:r>
+          </a:p>
+        </p:txBody>
+      </p:sp>
+    </p:spTree>
+    <p:extLst>
+      <p:ext uri="{BB962C8B-B14F-4D97-AF65-F5344CB8AC3E}">
+        <p14:creationId xmlns:p14="http://schemas.microsoft.com/office/powerpoint/2010/main" val="970040750"/>
+      </p:ext>
+    </p:extLst>
+  </p:cSld>
+  <p:clrMapOvr>
+    <a:masterClrMapping/>
+  </p:clrMapOvr>
+</p:sld>
+</file>
+
+<file path=ppt/slides/slide14.xml><?xml version="1.0" encoding="utf-8"?>
+<p:sld xmlns:a="http://schemas.openxmlformats.org/drawingml/2006/main" xmlns:r="http://schemas.openxmlformats.org/officeDocument/2006/relationships" xmlns:p="http://schemas.openxmlformats.org/presentationml/2006/main">
+  <p:cSld>
+    <p:spTree>
+      <p:nvGrpSpPr>
+        <p:cNvPr id="1" name=""/>
+        <p:cNvGrpSpPr/>
+        <p:nvPr/>
+      </p:nvGrpSpPr>
+      <p:grpSpPr>
+        <a:xfrm>
+          <a:off x="0" y="0"/>
+          <a:ext cx="0" cy="0"/>
+          <a:chOff x="0" y="0"/>
+          <a:chExt cx="0" cy="0"/>
+        </a:xfrm>
+      </p:grpSpPr>
+      <p:pic>
+        <p:nvPicPr>
+          <p:cNvPr id="9" name="Picture 8">
+            <a:extLst>
+              <a:ext uri="{FF2B5EF4-FFF2-40B4-BE49-F238E27FC236}">
+                <a16:creationId xmlns:a16="http://schemas.microsoft.com/office/drawing/2014/main" id="{6DD98CE3-D56C-FF4F-8408-BAB992774CF8}"/>
+              </a:ext>
+            </a:extLst>
+          </p:cNvPr>
+          <p:cNvPicPr>
+            <a:picLocks noChangeAspect="1"/>
+          </p:cNvPicPr>
+          <p:nvPr/>
+        </p:nvPicPr>
+        <p:blipFill>
+          <a:blip r:embed="rId2"/>
+          <a:stretch>
+            <a:fillRect/>
+          </a:stretch>
+        </p:blipFill>
+        <p:spPr>
+          <a:xfrm>
+            <a:off x="3168650" y="1231900"/>
+            <a:ext cx="5854700" cy="4394200"/>
+          </a:xfrm>
+          <a:prstGeom prst="rect">
+            <a:avLst/>
+          </a:prstGeom>
+        </p:spPr>
+      </p:pic>
+    </p:spTree>
+    <p:extLst>
+      <p:ext uri="{BB962C8B-B14F-4D97-AF65-F5344CB8AC3E}">
+        <p14:creationId xmlns:p14="http://schemas.microsoft.com/office/powerpoint/2010/main" val="918831421"/>
+      </p:ext>
+    </p:extLst>
+  </p:cSld>
+  <p:clrMapOvr>
+    <a:masterClrMapping/>
+  </p:clrMapOvr>
+</p:sld>
+</file>
+
+<file path=ppt/slides/slide2.xml><?xml version="1.0" encoding="utf-8"?>
+<p:sld xmlns:a="http://schemas.openxmlformats.org/drawingml/2006/main" xmlns:r="http://schemas.openxmlformats.org/officeDocument/2006/relationships" xmlns:p="http://schemas.openxmlformats.org/presentationml/2006/main">
+  <p:cSld>
+    <p:spTree>
+      <p:nvGrpSpPr>
+        <p:cNvPr id="1" name=""/>
+        <p:cNvGrpSpPr/>
+        <p:nvPr/>
+      </p:nvGrpSpPr>
+      <p:grpSpPr>
+        <a:xfrm>
+          <a:off x="0" y="0"/>
+          <a:ext cx="0" cy="0"/>
+          <a:chOff x="0" y="0"/>
+          <a:chExt cx="0" cy="0"/>
+        </a:xfrm>
+      </p:grpSpPr>
+      <p:pic>
+        <p:nvPicPr>
+          <p:cNvPr id="8" name="Picture 7">
+            <a:extLst>
+              <a:ext uri="{FF2B5EF4-FFF2-40B4-BE49-F238E27FC236}">
+                <a16:creationId xmlns:a16="http://schemas.microsoft.com/office/drawing/2014/main" id="{797E4D7A-AA88-A24C-BAC8-AD22D56CE425}"/>
+              </a:ext>
+            </a:extLst>
+          </p:cNvPr>
+          <p:cNvPicPr>
+            <a:picLocks noChangeAspect="1"/>
+          </p:cNvPicPr>
+          <p:nvPr/>
+        </p:nvPicPr>
+        <p:blipFill>
+          <a:blip r:embed="rId2"/>
+          <a:stretch>
+            <a:fillRect/>
+          </a:stretch>
+        </p:blipFill>
+        <p:spPr>
+          <a:xfrm>
+            <a:off x="7286847" y="2514600"/>
+            <a:ext cx="2984500" cy="1828800"/>
+          </a:xfrm>
+          <a:prstGeom prst="rect">
+            <a:avLst/>
+          </a:prstGeom>
+        </p:spPr>
+      </p:pic>
+      <p:pic>
+        <p:nvPicPr>
+          <p:cNvPr id="10" name="Picture 9">
+            <a:extLst>
+              <a:ext uri="{FF2B5EF4-FFF2-40B4-BE49-F238E27FC236}">
+                <a16:creationId xmlns:a16="http://schemas.microsoft.com/office/drawing/2014/main" id="{AE8145CB-BAD1-F048-A827-15B5CA7BA5FD}"/>
+              </a:ext>
+            </a:extLst>
+          </p:cNvPr>
+          <p:cNvPicPr>
+            <a:picLocks noChangeAspect="1"/>
+          </p:cNvPicPr>
+          <p:nvPr/>
+        </p:nvPicPr>
+        <p:blipFill>
+          <a:blip r:embed="rId3"/>
+          <a:stretch>
+            <a:fillRect/>
+          </a:stretch>
+        </p:blipFill>
+        <p:spPr>
+          <a:xfrm>
+            <a:off x="-28353" y="1600200"/>
+            <a:ext cx="7315200" cy="3657600"/>
+          </a:xfrm>
+          <a:prstGeom prst="rect">
+            <a:avLst/>
+          </a:prstGeom>
+        </p:spPr>
+      </p:pic>
+      <p:sp>
+        <p:nvSpPr>
+          <p:cNvPr id="11" name="TextBox 10">
+            <a:extLst>
+              <a:ext uri="{FF2B5EF4-FFF2-40B4-BE49-F238E27FC236}">
+                <a16:creationId xmlns:a16="http://schemas.microsoft.com/office/drawing/2014/main" id="{51DFD4E3-56A5-544B-8E7E-174C5069186A}"/>
+              </a:ext>
+            </a:extLst>
+          </p:cNvPr>
+          <p:cNvSpPr txBox="1"/>
+          <p:nvPr/>
+        </p:nvSpPr>
+        <p:spPr>
+          <a:xfrm>
+            <a:off x="786810" y="1230868"/>
+            <a:ext cx="1291316" cy="369332"/>
+          </a:xfrm>
+          <a:prstGeom prst="rect">
+            <a:avLst/>
+          </a:prstGeom>
+          <a:noFill/>
+        </p:spPr>
+        <p:txBody>
+          <a:bodyPr wrap="none" rtlCol="0">
+            <a:spAutoFit/>
+          </a:bodyPr>
+          <a:lstStyle/>
+          <a:p>
+            <a:r>
+              <a:rPr lang="en-NO" dirty="0"/>
+              <a:t>Depth 0.5m</a:t>
+            </a:r>
+          </a:p>
+        </p:txBody>
+      </p:sp>
+    </p:spTree>
+    <p:extLst>
+      <p:ext uri="{BB962C8B-B14F-4D97-AF65-F5344CB8AC3E}">
+        <p14:creationId xmlns:p14="http://schemas.microsoft.com/office/powerpoint/2010/main" val="975392597"/>
+      </p:ext>
+    </p:extLst>
+  </p:cSld>
+  <p:clrMapOvr>
+    <a:masterClrMapping/>
+  </p:clrMapOvr>
+</p:sld>
+</file>
+
+<file path=ppt/slides/slide3.xml><?xml version="1.0" encoding="utf-8"?>
+<p:sld xmlns:a="http://schemas.openxmlformats.org/drawingml/2006/main" xmlns:r="http://schemas.openxmlformats.org/officeDocument/2006/relationships" xmlns:p="http://schemas.openxmlformats.org/presentationml/2006/main">
+  <p:cSld>
+    <p:spTree>
+      <p:nvGrpSpPr>
+        <p:cNvPr id="1" name=""/>
+        <p:cNvGrpSpPr/>
+        <p:nvPr/>
+      </p:nvGrpSpPr>
+      <p:grpSpPr>
+        <a:xfrm>
+          <a:off x="0" y="0"/>
+          <a:ext cx="0" cy="0"/>
+          <a:chOff x="0" y="0"/>
+          <a:chExt cx="0" cy="0"/>
+        </a:xfrm>
+      </p:grpSpPr>
+      <p:pic>
+        <p:nvPicPr>
+          <p:cNvPr id="2" name="Picture 1">
+            <a:extLst>
+              <a:ext uri="{FF2B5EF4-FFF2-40B4-BE49-F238E27FC236}">
+                <a16:creationId xmlns:a16="http://schemas.microsoft.com/office/drawing/2014/main" id="{983AB1E2-1F09-B549-B7B0-B16948E562E1}"/>
+              </a:ext>
+            </a:extLst>
+          </p:cNvPr>
+          <p:cNvPicPr>
+            <a:picLocks noChangeAspect="1"/>
+          </p:cNvPicPr>
+          <p:nvPr/>
+        </p:nvPicPr>
+        <p:blipFill>
+          <a:blip r:embed="rId2"/>
+          <a:stretch>
+            <a:fillRect/>
+          </a:stretch>
+        </p:blipFill>
+        <p:spPr>
+          <a:xfrm>
+            <a:off x="7315200" y="2559050"/>
+            <a:ext cx="2921000" cy="1739900"/>
+          </a:xfrm>
+          <a:prstGeom prst="rect">
+            <a:avLst/>
+          </a:prstGeom>
+        </p:spPr>
+      </p:pic>
+      <p:pic>
+        <p:nvPicPr>
+          <p:cNvPr id="4" name="Picture 3">
+            <a:extLst>
+              <a:ext uri="{FF2B5EF4-FFF2-40B4-BE49-F238E27FC236}">
+                <a16:creationId xmlns:a16="http://schemas.microsoft.com/office/drawing/2014/main" id="{58DBE8FB-C96E-1A46-A82F-A427DF0CF909}"/>
+              </a:ext>
+            </a:extLst>
+          </p:cNvPr>
+          <p:cNvPicPr>
+            <a:picLocks noChangeAspect="1"/>
+          </p:cNvPicPr>
+          <p:nvPr/>
+        </p:nvPicPr>
+        <p:blipFill>
+          <a:blip r:embed="rId3"/>
+          <a:stretch>
+            <a:fillRect/>
+          </a:stretch>
+        </p:blipFill>
+        <p:spPr>
+          <a:xfrm>
+            <a:off x="0" y="1600200"/>
+            <a:ext cx="7315200" cy="3657600"/>
+          </a:xfrm>
+          <a:prstGeom prst="rect">
+            <a:avLst/>
+          </a:prstGeom>
+        </p:spPr>
+      </p:pic>
+      <p:sp>
+        <p:nvSpPr>
+          <p:cNvPr id="5" name="TextBox 4">
+            <a:extLst>
+              <a:ext uri="{FF2B5EF4-FFF2-40B4-BE49-F238E27FC236}">
+                <a16:creationId xmlns:a16="http://schemas.microsoft.com/office/drawing/2014/main" id="{D3E50A32-046E-1B4B-821D-54B67FEAB11C}"/>
+              </a:ext>
+            </a:extLst>
+          </p:cNvPr>
+          <p:cNvSpPr txBox="1"/>
+          <p:nvPr/>
+        </p:nvSpPr>
+        <p:spPr>
+          <a:xfrm>
+            <a:off x="786810" y="1230868"/>
+            <a:ext cx="1291316" cy="369332"/>
+          </a:xfrm>
+          <a:prstGeom prst="rect">
+            <a:avLst/>
+          </a:prstGeom>
+          <a:noFill/>
+        </p:spPr>
+        <p:txBody>
+          <a:bodyPr wrap="none" rtlCol="0">
+            <a:spAutoFit/>
+          </a:bodyPr>
+          <a:lstStyle/>
+          <a:p>
+            <a:r>
+              <a:rPr lang="en-NO" dirty="0"/>
+              <a:t>Depth 1.0m</a:t>
+            </a:r>
+          </a:p>
+        </p:txBody>
+      </p:sp>
+    </p:spTree>
+    <p:extLst>
+      <p:ext uri="{BB962C8B-B14F-4D97-AF65-F5344CB8AC3E}">
+        <p14:creationId xmlns:p14="http://schemas.microsoft.com/office/powerpoint/2010/main" val="2081706822"/>
+      </p:ext>
+    </p:extLst>
+  </p:cSld>
+  <p:clrMapOvr>
+    <a:masterClrMapping/>
+  </p:clrMapOvr>
+</p:sld>
+</file>
+
+<file path=ppt/slides/slide4.xml><?xml version="1.0" encoding="utf-8"?>
+<p:sld xmlns:a="http://schemas.openxmlformats.org/drawingml/2006/main" xmlns:r="http://schemas.openxmlformats.org/officeDocument/2006/relationships" xmlns:p="http://schemas.openxmlformats.org/presentationml/2006/main">
+  <p:cSld>
+    <p:spTree>
+      <p:nvGrpSpPr>
+        <p:cNvPr id="1" name=""/>
+        <p:cNvGrpSpPr/>
+        <p:nvPr/>
+      </p:nvGrpSpPr>
+      <p:grpSpPr>
+        <a:xfrm>
+          <a:off x="0" y="0"/>
+          <a:ext cx="0" cy="0"/>
+          <a:chOff x="0" y="0"/>
+          <a:chExt cx="0" cy="0"/>
+        </a:xfrm>
+      </p:grpSpPr>
+      <p:pic>
+        <p:nvPicPr>
+          <p:cNvPr id="4" name="Picture 3">
+            <a:extLst>
+              <a:ext uri="{FF2B5EF4-FFF2-40B4-BE49-F238E27FC236}">
+                <a16:creationId xmlns:a16="http://schemas.microsoft.com/office/drawing/2014/main" id="{3CFCF8CC-1F33-F54B-88A0-2B8F1537C836}"/>
+              </a:ext>
+            </a:extLst>
+          </p:cNvPr>
+          <p:cNvPicPr>
+            <a:picLocks noChangeAspect="1"/>
+          </p:cNvPicPr>
+          <p:nvPr/>
+        </p:nvPicPr>
+        <p:blipFill>
+          <a:blip r:embed="rId2"/>
+          <a:stretch>
+            <a:fillRect/>
+          </a:stretch>
+        </p:blipFill>
+        <p:spPr>
+          <a:xfrm>
+            <a:off x="7315200" y="2520950"/>
+            <a:ext cx="3175000" cy="1816100"/>
+          </a:xfrm>
+          <a:prstGeom prst="rect">
+            <a:avLst/>
+          </a:prstGeom>
+        </p:spPr>
+      </p:pic>
+      <p:pic>
+        <p:nvPicPr>
+          <p:cNvPr id="6" name="Picture 5">
+            <a:extLst>
+              <a:ext uri="{FF2B5EF4-FFF2-40B4-BE49-F238E27FC236}">
+                <a16:creationId xmlns:a16="http://schemas.microsoft.com/office/drawing/2014/main" id="{C68A8F1B-1779-7F4F-82A3-9239A39FC2DF}"/>
+              </a:ext>
+            </a:extLst>
+          </p:cNvPr>
+          <p:cNvPicPr>
+            <a:picLocks noChangeAspect="1"/>
+          </p:cNvPicPr>
+          <p:nvPr/>
+        </p:nvPicPr>
+        <p:blipFill>
+          <a:blip r:embed="rId3"/>
+          <a:stretch>
+            <a:fillRect/>
+          </a:stretch>
+        </p:blipFill>
+        <p:spPr>
+          <a:xfrm>
+            <a:off x="0" y="1600200"/>
+            <a:ext cx="7315200" cy="3657600"/>
+          </a:xfrm>
+          <a:prstGeom prst="rect">
+            <a:avLst/>
+          </a:prstGeom>
+        </p:spPr>
+      </p:pic>
+      <p:sp>
+        <p:nvSpPr>
+          <p:cNvPr id="7" name="TextBox 6">
+            <a:extLst>
+              <a:ext uri="{FF2B5EF4-FFF2-40B4-BE49-F238E27FC236}">
+                <a16:creationId xmlns:a16="http://schemas.microsoft.com/office/drawing/2014/main" id="{A63EDC95-749B-6A4C-AE9C-8569F5AC426F}"/>
+              </a:ext>
+            </a:extLst>
+          </p:cNvPr>
+          <p:cNvSpPr txBox="1"/>
+          <p:nvPr/>
+        </p:nvSpPr>
+        <p:spPr>
+          <a:xfrm>
+            <a:off x="786810" y="1230868"/>
+            <a:ext cx="1291316" cy="369332"/>
+          </a:xfrm>
+          <a:prstGeom prst="rect">
+            <a:avLst/>
+          </a:prstGeom>
+          <a:noFill/>
+        </p:spPr>
+        <p:txBody>
+          <a:bodyPr wrap="none" rtlCol="0">
+            <a:spAutoFit/>
+          </a:bodyPr>
+          <a:lstStyle/>
+          <a:p>
+            <a:r>
+              <a:rPr lang="en-NO" dirty="0"/>
+              <a:t>Depth 1.5m</a:t>
+            </a:r>
+          </a:p>
+        </p:txBody>
+      </p:sp>
+    </p:spTree>
+    <p:extLst>
+      <p:ext uri="{BB962C8B-B14F-4D97-AF65-F5344CB8AC3E}">
+        <p14:creationId xmlns:p14="http://schemas.microsoft.com/office/powerpoint/2010/main" val="3150277839"/>
+      </p:ext>
+    </p:extLst>
+  </p:cSld>
+  <p:clrMapOvr>
+    <a:masterClrMapping/>
+  </p:clrMapOvr>
+</p:sld>
+</file>
+
+<file path=ppt/slides/slide5.xml><?xml version="1.0" encoding="utf-8"?>
+<p:sld xmlns:a="http://schemas.openxmlformats.org/drawingml/2006/main" xmlns:r="http://schemas.openxmlformats.org/officeDocument/2006/relationships" xmlns:p="http://schemas.openxmlformats.org/presentationml/2006/main">
+  <p:cSld>
+    <p:spTree>
+      <p:nvGrpSpPr>
+        <p:cNvPr id="1" name=""/>
+        <p:cNvGrpSpPr/>
+        <p:nvPr/>
+      </p:nvGrpSpPr>
+      <p:grpSpPr>
+        <a:xfrm>
+          <a:off x="0" y="0"/>
+          <a:ext cx="0" cy="0"/>
+          <a:chOff x="0" y="0"/>
+          <a:chExt cx="0" cy="0"/>
+        </a:xfrm>
+      </p:grpSpPr>
+      <p:pic>
+        <p:nvPicPr>
+          <p:cNvPr id="2" name="Picture 1">
+            <a:extLst>
+              <a:ext uri="{FF2B5EF4-FFF2-40B4-BE49-F238E27FC236}">
+                <a16:creationId xmlns:a16="http://schemas.microsoft.com/office/drawing/2014/main" id="{CEC401DC-3022-9443-AD4E-9CF2FB1F7C7B}"/>
+              </a:ext>
+            </a:extLst>
+          </p:cNvPr>
+          <p:cNvPicPr>
+            <a:picLocks noChangeAspect="1"/>
+          </p:cNvPicPr>
+          <p:nvPr/>
+        </p:nvPicPr>
+        <p:blipFill>
+          <a:blip r:embed="rId2"/>
+          <a:stretch>
+            <a:fillRect/>
+          </a:stretch>
+        </p:blipFill>
+        <p:spPr>
+          <a:xfrm>
+            <a:off x="7315200" y="2552700"/>
+            <a:ext cx="3200400" cy="1752600"/>
+          </a:xfrm>
+          <a:prstGeom prst="rect">
+            <a:avLst/>
+          </a:prstGeom>
+        </p:spPr>
+      </p:pic>
+      <p:pic>
+        <p:nvPicPr>
+          <p:cNvPr id="4" name="Picture 3">
+            <a:extLst>
+              <a:ext uri="{FF2B5EF4-FFF2-40B4-BE49-F238E27FC236}">
+                <a16:creationId xmlns:a16="http://schemas.microsoft.com/office/drawing/2014/main" id="{815583F9-4778-784C-B532-78E6F583BE84}"/>
+              </a:ext>
+            </a:extLst>
+          </p:cNvPr>
+          <p:cNvPicPr>
+            <a:picLocks noChangeAspect="1"/>
+          </p:cNvPicPr>
+          <p:nvPr/>
+        </p:nvPicPr>
+        <p:blipFill>
+          <a:blip r:embed="rId3"/>
+          <a:stretch>
+            <a:fillRect/>
+          </a:stretch>
+        </p:blipFill>
+        <p:spPr>
+          <a:xfrm>
+            <a:off x="0" y="1600200"/>
+            <a:ext cx="7315200" cy="3657600"/>
+          </a:xfrm>
+          <a:prstGeom prst="rect">
+            <a:avLst/>
+          </a:prstGeom>
+        </p:spPr>
+      </p:pic>
+      <p:sp>
+        <p:nvSpPr>
+          <p:cNvPr id="5" name="TextBox 4">
+            <a:extLst>
+              <a:ext uri="{FF2B5EF4-FFF2-40B4-BE49-F238E27FC236}">
+                <a16:creationId xmlns:a16="http://schemas.microsoft.com/office/drawing/2014/main" id="{D438E6F8-2764-5848-BC3E-781DBBF90156}"/>
+              </a:ext>
+            </a:extLst>
+          </p:cNvPr>
+          <p:cNvSpPr txBox="1"/>
+          <p:nvPr/>
+        </p:nvSpPr>
+        <p:spPr>
+          <a:xfrm>
+            <a:off x="786810" y="1230868"/>
+            <a:ext cx="1291316" cy="369332"/>
+          </a:xfrm>
+          <a:prstGeom prst="rect">
+            <a:avLst/>
+          </a:prstGeom>
+          <a:noFill/>
+        </p:spPr>
+        <p:txBody>
+          <a:bodyPr wrap="none" rtlCol="0">
+            <a:spAutoFit/>
+          </a:bodyPr>
+          <a:lstStyle/>
+          <a:p>
+            <a:r>
+              <a:rPr lang="en-NO" dirty="0"/>
+              <a:t>Depth 2.0m</a:t>
+            </a:r>
+          </a:p>
+        </p:txBody>
+      </p:sp>
+    </p:spTree>
+    <p:extLst>
+      <p:ext uri="{BB962C8B-B14F-4D97-AF65-F5344CB8AC3E}">
+        <p14:creationId xmlns:p14="http://schemas.microsoft.com/office/powerpoint/2010/main" val="889595983"/>
+      </p:ext>
+    </p:extLst>
+  </p:cSld>
+  <p:clrMapOvr>
+    <a:masterClrMapping/>
+  </p:clrMapOvr>
+</p:sld>
+</file>
+
+<file path=ppt/slides/slide6.xml><?xml version="1.0" encoding="utf-8"?>
+<p:sld xmlns:a="http://schemas.openxmlformats.org/drawingml/2006/main" xmlns:r="http://schemas.openxmlformats.org/officeDocument/2006/relationships" xmlns:p="http://schemas.openxmlformats.org/presentationml/2006/main">
+  <p:cSld>
+    <p:spTree>
+      <p:nvGrpSpPr>
+        <p:cNvPr id="1" name=""/>
+        <p:cNvGrpSpPr/>
+        <p:nvPr/>
+      </p:nvGrpSpPr>
+      <p:grpSpPr>
+        <a:xfrm>
+          <a:off x="0" y="0"/>
+          <a:ext cx="0" cy="0"/>
+          <a:chOff x="0" y="0"/>
+          <a:chExt cx="0" cy="0"/>
+        </a:xfrm>
+      </p:grpSpPr>
+      <p:pic>
+        <p:nvPicPr>
+          <p:cNvPr id="2" name="Picture 1">
+            <a:extLst>
+              <a:ext uri="{FF2B5EF4-FFF2-40B4-BE49-F238E27FC236}">
+                <a16:creationId xmlns:a16="http://schemas.microsoft.com/office/drawing/2014/main" id="{650DD907-E9F7-0F4D-828A-2FEDD9794EF0}"/>
+              </a:ext>
+            </a:extLst>
+          </p:cNvPr>
+          <p:cNvPicPr>
+            <a:picLocks noChangeAspect="1"/>
+          </p:cNvPicPr>
+          <p:nvPr/>
+        </p:nvPicPr>
+        <p:blipFill>
+          <a:blip r:embed="rId2"/>
+          <a:stretch>
+            <a:fillRect/>
+          </a:stretch>
+        </p:blipFill>
+        <p:spPr>
+          <a:xfrm>
+            <a:off x="7315200" y="2470150"/>
+            <a:ext cx="3048000" cy="1917700"/>
+          </a:xfrm>
+          <a:prstGeom prst="rect">
+            <a:avLst/>
+          </a:prstGeom>
+        </p:spPr>
+      </p:pic>
+      <p:pic>
+        <p:nvPicPr>
+          <p:cNvPr id="4" name="Picture 3">
+            <a:extLst>
+              <a:ext uri="{FF2B5EF4-FFF2-40B4-BE49-F238E27FC236}">
+                <a16:creationId xmlns:a16="http://schemas.microsoft.com/office/drawing/2014/main" id="{E3A85206-7058-3A49-B54F-0446A2C3D724}"/>
+              </a:ext>
+            </a:extLst>
+          </p:cNvPr>
+          <p:cNvPicPr>
+            <a:picLocks noChangeAspect="1"/>
+          </p:cNvPicPr>
+          <p:nvPr/>
+        </p:nvPicPr>
+        <p:blipFill>
+          <a:blip r:embed="rId3"/>
+          <a:stretch>
+            <a:fillRect/>
+          </a:stretch>
+        </p:blipFill>
+        <p:spPr>
+          <a:xfrm>
+            <a:off x="0" y="1600200"/>
+            <a:ext cx="7315200" cy="3657600"/>
+          </a:xfrm>
+          <a:prstGeom prst="rect">
+            <a:avLst/>
+          </a:prstGeom>
+        </p:spPr>
+      </p:pic>
+      <p:sp>
+        <p:nvSpPr>
+          <p:cNvPr id="5" name="TextBox 4">
+            <a:extLst>
+              <a:ext uri="{FF2B5EF4-FFF2-40B4-BE49-F238E27FC236}">
+                <a16:creationId xmlns:a16="http://schemas.microsoft.com/office/drawing/2014/main" id="{5CD55B87-ADD1-8047-B669-27AD6F6B09C9}"/>
+              </a:ext>
+            </a:extLst>
+          </p:cNvPr>
+          <p:cNvSpPr txBox="1"/>
+          <p:nvPr/>
+        </p:nvSpPr>
+        <p:spPr>
+          <a:xfrm>
+            <a:off x="786810" y="1230868"/>
+            <a:ext cx="1291316" cy="369332"/>
+          </a:xfrm>
+          <a:prstGeom prst="rect">
+            <a:avLst/>
+          </a:prstGeom>
+          <a:noFill/>
+        </p:spPr>
+        <p:txBody>
+          <a:bodyPr wrap="none" rtlCol="0">
+            <a:spAutoFit/>
+          </a:bodyPr>
+          <a:lstStyle/>
+          <a:p>
+            <a:r>
+              <a:rPr lang="en-NO" dirty="0"/>
+              <a:t>Depth 2.5m</a:t>
+            </a:r>
+          </a:p>
+        </p:txBody>
+      </p:sp>
+    </p:spTree>
+    <p:extLst>
+      <p:ext uri="{BB962C8B-B14F-4D97-AF65-F5344CB8AC3E}">
+        <p14:creationId xmlns:p14="http://schemas.microsoft.com/office/powerpoint/2010/main" val="2218471254"/>
+      </p:ext>
+    </p:extLst>
+  </p:cSld>
+  <p:clrMapOvr>
+    <a:masterClrMapping/>
+  </p:clrMapOvr>
+</p:sld>
+</file>
+
+<file path=ppt/slides/slide7.xml><?xml version="1.0" encoding="utf-8"?>
+<p:sld xmlns:a="http://schemas.openxmlformats.org/drawingml/2006/main" xmlns:r="http://schemas.openxmlformats.org/officeDocument/2006/relationships" xmlns:p="http://schemas.openxmlformats.org/presentationml/2006/main">
+  <p:cSld>
+    <p:spTree>
+      <p:nvGrpSpPr>
+        <p:cNvPr id="1" name=""/>
+        <p:cNvGrpSpPr/>
+        <p:nvPr/>
+      </p:nvGrpSpPr>
+      <p:grpSpPr>
+        <a:xfrm>
+          <a:off x="0" y="0"/>
+          <a:ext cx="0" cy="0"/>
+          <a:chOff x="0" y="0"/>
+          <a:chExt cx="0" cy="0"/>
+        </a:xfrm>
+      </p:grpSpPr>
+      <p:sp>
+        <p:nvSpPr>
+          <p:cNvPr id="2" name="Title 1">
+            <a:extLst>
+              <a:ext uri="{FF2B5EF4-FFF2-40B4-BE49-F238E27FC236}">
+                <a16:creationId xmlns:a16="http://schemas.microsoft.com/office/drawing/2014/main" id="{5B1F18C3-AA5C-BC46-BE2A-BE9D1225406C}"/>
+              </a:ext>
+            </a:extLst>
+          </p:cNvPr>
+          <p:cNvSpPr>
+            <a:spLocks noGrp="1"/>
+          </p:cNvSpPr>
+          <p:nvPr>
+            <p:ph type="ctrTitle"/>
+          </p:nvPr>
+        </p:nvSpPr>
+        <p:spPr/>
+        <p:txBody>
+          <a:bodyPr/>
+          <a:lstStyle/>
+          <a:p>
+            <a:r>
+              <a:rPr lang="en-NO" dirty="0"/>
+              <a:t>Temperature coef</a:t>
+            </a:r>
+          </a:p>
+        </p:txBody>
+      </p:sp>
+      <p:sp>
+        <p:nvSpPr>
+          <p:cNvPr id="3" name="Subtitle 2">
+            <a:extLst>
+              <a:ext uri="{FF2B5EF4-FFF2-40B4-BE49-F238E27FC236}">
+                <a16:creationId xmlns:a16="http://schemas.microsoft.com/office/drawing/2014/main" id="{37CA0276-F887-FB46-8AE2-D7FCEE96095C}"/>
+              </a:ext>
+            </a:extLst>
+          </p:cNvPr>
+          <p:cNvSpPr>
+            <a:spLocks noGrp="1"/>
+          </p:cNvSpPr>
+          <p:nvPr>
+            <p:ph type="subTitle" idx="1"/>
+          </p:nvPr>
+        </p:nvSpPr>
+        <p:spPr/>
+        <p:txBody>
+          <a:bodyPr>
+            <a:normAutofit lnSpcReduction="10000"/>
+          </a:bodyPr>
+          <a:lstStyle/>
+          <a:p>
+            <a:r>
+              <a:rPr lang="en-GB" dirty="0"/>
+              <a:t>S</a:t>
+            </a:r>
+            <a:r>
+              <a:rPr lang="en-NO" dirty="0"/>
+              <a:t>igma = sqrt(30)</a:t>
+            </a:r>
+          </a:p>
+          <a:p>
+            <a:r>
+              <a:rPr lang="en-GB" dirty="0"/>
+              <a:t>E</a:t>
+            </a:r>
+            <a:r>
+              <a:rPr lang="en-NO" dirty="0"/>
+              <a:t>ta = sqrt(3) / 500</a:t>
+            </a:r>
+          </a:p>
+          <a:p>
+            <a:r>
+              <a:rPr lang="en-GB" dirty="0"/>
+              <a:t>T</a:t>
+            </a:r>
+            <a:r>
+              <a:rPr lang="en-NO" dirty="0"/>
+              <a:t>au = 0.3</a:t>
+            </a:r>
+          </a:p>
+          <a:p>
+            <a:r>
+              <a:rPr lang="en-NO" dirty="0"/>
+              <a:t>Threshold = 10.5</a:t>
+            </a:r>
+          </a:p>
+        </p:txBody>
+      </p:sp>
+    </p:spTree>
+    <p:extLst>
+      <p:ext uri="{BB962C8B-B14F-4D97-AF65-F5344CB8AC3E}">
+        <p14:creationId xmlns:p14="http://schemas.microsoft.com/office/powerpoint/2010/main" val="2832638725"/>
+      </p:ext>
+    </p:extLst>
+  </p:cSld>
+  <p:clrMapOvr>
+    <a:masterClrMapping/>
+  </p:clrMapOvr>
+</p:sld>
+</file>
+
+<file path=ppt/slides/slide8.xml><?xml version="1.0" encoding="utf-8"?>
+<p:sld xmlns:a="http://schemas.openxmlformats.org/drawingml/2006/main" xmlns:r="http://schemas.openxmlformats.org/officeDocument/2006/relationships" xmlns:p="http://schemas.openxmlformats.org/presentationml/2006/main">
+  <p:cSld>
+    <p:spTree>
+      <p:nvGrpSpPr>
+        <p:cNvPr id="1" name=""/>
+        <p:cNvGrpSpPr/>
+        <p:nvPr/>
+      </p:nvGrpSpPr>
+      <p:grpSpPr>
+        <a:xfrm>
+          <a:off x="0" y="0"/>
+          <a:ext cx="0" cy="0"/>
+          <a:chOff x="0" y="0"/>
+          <a:chExt cx="0" cy="0"/>
+        </a:xfrm>
+      </p:grpSpPr>
+      <p:pic>
+        <p:nvPicPr>
+          <p:cNvPr id="2" name="Picture 1">
+            <a:extLst>
+              <a:ext uri="{FF2B5EF4-FFF2-40B4-BE49-F238E27FC236}">
+                <a16:creationId xmlns:a16="http://schemas.microsoft.com/office/drawing/2014/main" id="{B95299E5-58C7-2B47-83AF-73EEB4BE68B5}"/>
+              </a:ext>
+            </a:extLst>
+          </p:cNvPr>
+          <p:cNvPicPr>
+            <a:picLocks noChangeAspect="1"/>
+          </p:cNvPicPr>
+          <p:nvPr/>
+        </p:nvPicPr>
+        <p:blipFill>
+          <a:blip r:embed="rId2"/>
+          <a:stretch>
+            <a:fillRect/>
+          </a:stretch>
+        </p:blipFill>
+        <p:spPr>
+          <a:xfrm>
+            <a:off x="7315200" y="2559050"/>
+            <a:ext cx="3060700" cy="1739900"/>
+          </a:xfrm>
+          <a:prstGeom prst="rect">
+            <a:avLst/>
+          </a:prstGeom>
+        </p:spPr>
+      </p:pic>
+      <p:pic>
+        <p:nvPicPr>
+          <p:cNvPr id="4" name="Picture 3">
+            <a:extLst>
+              <a:ext uri="{FF2B5EF4-FFF2-40B4-BE49-F238E27FC236}">
+                <a16:creationId xmlns:a16="http://schemas.microsoft.com/office/drawing/2014/main" id="{5C896724-5B6E-1B4A-9F1A-3F9244A21211}"/>
+              </a:ext>
+            </a:extLst>
+          </p:cNvPr>
+          <p:cNvPicPr>
+            <a:picLocks noChangeAspect="1"/>
+          </p:cNvPicPr>
+          <p:nvPr/>
+        </p:nvPicPr>
+        <p:blipFill>
+          <a:blip r:embed="rId3"/>
+          <a:stretch>
+            <a:fillRect/>
+          </a:stretch>
+        </p:blipFill>
+        <p:spPr>
+          <a:xfrm>
+            <a:off x="0" y="1770320"/>
+            <a:ext cx="7315200" cy="3657600"/>
+          </a:xfrm>
+          <a:prstGeom prst="rect">
+            <a:avLst/>
+          </a:prstGeom>
+        </p:spPr>
+      </p:pic>
+      <p:sp>
+        <p:nvSpPr>
+          <p:cNvPr id="5" name="TextBox 4">
+            <a:extLst>
+              <a:ext uri="{FF2B5EF4-FFF2-40B4-BE49-F238E27FC236}">
+                <a16:creationId xmlns:a16="http://schemas.microsoft.com/office/drawing/2014/main" id="{59E85454-6C50-294C-93E9-FB6FB8A7136D}"/>
+              </a:ext>
+            </a:extLst>
+          </p:cNvPr>
+          <p:cNvSpPr txBox="1"/>
+          <p:nvPr/>
+        </p:nvSpPr>
+        <p:spPr>
+          <a:xfrm>
+            <a:off x="786810" y="1230868"/>
+            <a:ext cx="1291316" cy="369332"/>
+          </a:xfrm>
+          <a:prstGeom prst="rect">
+            <a:avLst/>
+          </a:prstGeom>
+          <a:noFill/>
+        </p:spPr>
+        <p:txBody>
+          <a:bodyPr wrap="none" rtlCol="0">
+            <a:spAutoFit/>
+          </a:bodyPr>
+          <a:lstStyle/>
+          <a:p>
+            <a:r>
+              <a:rPr lang="en-NO" dirty="0"/>
+              <a:t>Depth 0.5m</a:t>
+            </a:r>
+          </a:p>
+        </p:txBody>
+      </p:sp>
+    </p:spTree>
+    <p:extLst>
+      <p:ext uri="{BB962C8B-B14F-4D97-AF65-F5344CB8AC3E}">
+        <p14:creationId xmlns:p14="http://schemas.microsoft.com/office/powerpoint/2010/main" val="726129353"/>
+      </p:ext>
+    </p:extLst>
+  </p:cSld>
+  <p:clrMapOvr>
+    <a:masterClrMapping/>
+  </p:clrMapOvr>
+</p:sld>
+</file>
+
+<file path=ppt/slides/slide9.xml><?xml version="1.0" encoding="utf-8"?>
+<p:sld xmlns:a="http://schemas.openxmlformats.org/drawingml/2006/main" xmlns:r="http://schemas.openxmlformats.org/officeDocument/2006/relationships" xmlns:p="http://schemas.openxmlformats.org/presentationml/2006/main">
+  <p:cSld>
+    <p:spTree>
+      <p:nvGrpSpPr>
+        <p:cNvPr id="1" name=""/>
+        <p:cNvGrpSpPr/>
+        <p:nvPr/>
+      </p:nvGrpSpPr>
+      <p:grpSpPr>
+        <a:xfrm>
+          <a:off x="0" y="0"/>
+          <a:ext cx="0" cy="0"/>
+          <a:chOff x="0" y="0"/>
+          <a:chExt cx="0" cy="0"/>
+        </a:xfrm>
+      </p:grpSpPr>
+      <p:pic>
+        <p:nvPicPr>
+          <p:cNvPr id="2" name="Picture 1">
+            <a:extLst>
+              <a:ext uri="{FF2B5EF4-FFF2-40B4-BE49-F238E27FC236}">
+                <a16:creationId xmlns:a16="http://schemas.microsoft.com/office/drawing/2014/main" id="{CA8D6000-AF47-4F4B-A538-4E3AC7BCDC7E}"/>
+              </a:ext>
+            </a:extLst>
+          </p:cNvPr>
+          <p:cNvPicPr>
+            <a:picLocks noChangeAspect="1"/>
+          </p:cNvPicPr>
+          <p:nvPr/>
+        </p:nvPicPr>
+        <p:blipFill>
+          <a:blip r:embed="rId2"/>
+          <a:stretch>
+            <a:fillRect/>
+          </a:stretch>
+        </p:blipFill>
+        <p:spPr>
+          <a:xfrm>
+            <a:off x="7315200" y="2533650"/>
+            <a:ext cx="3238500" cy="1790700"/>
+          </a:xfrm>
+          <a:prstGeom prst="rect">
+            <a:avLst/>
+          </a:prstGeom>
+        </p:spPr>
+      </p:pic>
+      <p:pic>
+        <p:nvPicPr>
+          <p:cNvPr id="4" name="Picture 3">
+            <a:extLst>
+              <a:ext uri="{FF2B5EF4-FFF2-40B4-BE49-F238E27FC236}">
+                <a16:creationId xmlns:a16="http://schemas.microsoft.com/office/drawing/2014/main" id="{4E4CB232-0D0C-4A48-951D-42D8BE862488}"/>
+              </a:ext>
+            </a:extLst>
+          </p:cNvPr>
+          <p:cNvPicPr>
+            <a:picLocks noChangeAspect="1"/>
+          </p:cNvPicPr>
+          <p:nvPr/>
+        </p:nvPicPr>
+        <p:blipFill>
+          <a:blip r:embed="rId3"/>
+          <a:stretch>
+            <a:fillRect/>
+          </a:stretch>
+        </p:blipFill>
+        <p:spPr>
+          <a:xfrm>
+            <a:off x="0" y="1600200"/>
+            <a:ext cx="7315200" cy="3657600"/>
+          </a:xfrm>
+          <a:prstGeom prst="rect">
+            <a:avLst/>
+          </a:prstGeom>
+        </p:spPr>
+      </p:pic>
+      <p:sp>
+        <p:nvSpPr>
+          <p:cNvPr id="5" name="TextBox 4">
+            <a:extLst>
+              <a:ext uri="{FF2B5EF4-FFF2-40B4-BE49-F238E27FC236}">
+                <a16:creationId xmlns:a16="http://schemas.microsoft.com/office/drawing/2014/main" id="{D26EE075-4895-A44D-9A14-013F7EBF81F9}"/>
+              </a:ext>
+            </a:extLst>
+          </p:cNvPr>
+          <p:cNvSpPr txBox="1"/>
+          <p:nvPr/>
+        </p:nvSpPr>
+        <p:spPr>
+          <a:xfrm>
+            <a:off x="786810" y="1230868"/>
+            <a:ext cx="1291316" cy="369332"/>
+          </a:xfrm>
+          <a:prstGeom prst="rect">
+            <a:avLst/>
+          </a:prstGeom>
+          <a:noFill/>
+        </p:spPr>
+        <p:txBody>
+          <a:bodyPr wrap="none" rtlCol="0">
+            <a:spAutoFit/>
+          </a:bodyPr>
+          <a:lstStyle/>
+          <a:p>
+            <a:r>
+              <a:rPr lang="en-NO" dirty="0"/>
+              <a:t>Depth 1.0m</a:t>
+            </a:r>
+          </a:p>
+        </p:txBody>
+      </p:sp>
+    </p:spTree>
+    <p:extLst>
+      <p:ext uri="{BB962C8B-B14F-4D97-AF65-F5344CB8AC3E}">
+        <p14:creationId xmlns:p14="http://schemas.microsoft.com/office/powerpoint/2010/main" val="1710782899"/>
       </p:ext>
     </p:extLst>
   </p:cSld>

--- a/Nidelva/Variogram/ChooseCoef.pptx
+++ b/Nidelva/Variogram/ChooseCoef.pptx
@@ -19,6 +19,9 @@
     <p:sldId id="266" r:id="rId13"/>
     <p:sldId id="269" r:id="rId14"/>
     <p:sldId id="270" r:id="rId15"/>
+    <p:sldId id="272" r:id="rId16"/>
+    <p:sldId id="271" r:id="rId17"/>
+    <p:sldId id="273" r:id="rId18"/>
   </p:sldIdLst>
   <p:sldSz cx="12192000" cy="6858000"/>
   <p:notesSz cx="6858000" cy="9144000"/>
@@ -117,6 +120,11 @@
       </a:defRPr>
     </a:lvl9pPr>
   </p:defaultTextStyle>
+  <p:extLst>
+    <p:ext uri="{EFAFB233-063F-42B5-8137-9DF3F51BA10A}">
+      <p15:sldGuideLst xmlns:p15="http://schemas.microsoft.com/office/powerpoint/2012/main"/>
+    </p:ext>
+  </p:extLst>
 </p:presentation>
 </file>
 
@@ -3412,7 +3420,7 @@
             </a:r>
             <a:r>
               <a:rPr lang="en-NO" dirty="0"/>
-              <a:t>igma = sqrt(30)</a:t>
+              <a:t>igma = sqrt(4)</a:t>
             </a:r>
           </a:p>
           <a:p>
@@ -3422,7 +3430,7 @@
             </a:r>
             <a:r>
               <a:rPr lang="en-NO" dirty="0"/>
-              <a:t>ta = sqrt(3) / 500</a:t>
+              <a:t>ta = 4.5 / 400</a:t>
             </a:r>
           </a:p>
           <a:p>
@@ -3432,7 +3440,7 @@
             </a:r>
             <a:r>
               <a:rPr lang="en-NO" dirty="0"/>
-              <a:t>au = 0.3</a:t>
+              <a:t>au = sqrt(0.3)</a:t>
             </a:r>
           </a:p>
           <a:p>
@@ -3983,6 +3991,573 @@
 </p:sld>
 </file>
 
+<file path=ppt/slides/slide15.xml><?xml version="1.0" encoding="utf-8"?>
+<p:sld xmlns:a="http://schemas.openxmlformats.org/drawingml/2006/main" xmlns:r="http://schemas.openxmlformats.org/officeDocument/2006/relationships" xmlns:p="http://schemas.openxmlformats.org/presentationml/2006/main">
+  <p:cSld>
+    <p:spTree>
+      <p:nvGrpSpPr>
+        <p:cNvPr id="1" name=""/>
+        <p:cNvGrpSpPr/>
+        <p:nvPr/>
+      </p:nvGrpSpPr>
+      <p:grpSpPr>
+        <a:xfrm>
+          <a:off x="0" y="0"/>
+          <a:ext cx="0" cy="0"/>
+          <a:chOff x="0" y="0"/>
+          <a:chExt cx="0" cy="0"/>
+        </a:xfrm>
+      </p:grpSpPr>
+      <p:sp>
+        <p:nvSpPr>
+          <p:cNvPr id="2" name="Title 1">
+            <a:extLst>
+              <a:ext uri="{FF2B5EF4-FFF2-40B4-BE49-F238E27FC236}">
+                <a16:creationId xmlns:a16="http://schemas.microsoft.com/office/drawing/2014/main" id="{5B1F18C3-AA5C-BC46-BE2A-BE9D1225406C}"/>
+              </a:ext>
+            </a:extLst>
+          </p:cNvPr>
+          <p:cNvSpPr>
+            <a:spLocks noGrp="1"/>
+          </p:cNvSpPr>
+          <p:nvPr>
+            <p:ph type="ctrTitle"/>
+          </p:nvPr>
+        </p:nvSpPr>
+        <p:spPr/>
+        <p:txBody>
+          <a:bodyPr/>
+          <a:lstStyle/>
+          <a:p>
+            <a:r>
+              <a:rPr lang="en-NO" dirty="0"/>
+              <a:t>Depth-correlated coef</a:t>
+            </a:r>
+          </a:p>
+        </p:txBody>
+      </p:sp>
+      <p:sp>
+        <p:nvSpPr>
+          <p:cNvPr id="3" name="Subtitle 2">
+            <a:extLst>
+              <a:ext uri="{FF2B5EF4-FFF2-40B4-BE49-F238E27FC236}">
+                <a16:creationId xmlns:a16="http://schemas.microsoft.com/office/drawing/2014/main" id="{37CA0276-F887-FB46-8AE2-D7FCEE96095C}"/>
+              </a:ext>
+            </a:extLst>
+          </p:cNvPr>
+          <p:cNvSpPr>
+            <a:spLocks noGrp="1"/>
+          </p:cNvSpPr>
+          <p:nvPr>
+            <p:ph type="subTitle" idx="1"/>
+          </p:nvPr>
+        </p:nvSpPr>
+        <p:spPr/>
+        <p:txBody>
+          <a:bodyPr>
+            <a:normAutofit/>
+          </a:bodyPr>
+          <a:lstStyle/>
+          <a:p>
+            <a:r>
+              <a:rPr lang="en-US" dirty="0"/>
+              <a:t>\Ksi^2 </a:t>
+            </a:r>
+            <a:r>
+              <a:rPr lang="en-NO" dirty="0"/>
+              <a:t>= (1000 / 24) ^ 2 / (2.5 / 5) ^ 2 = 6944.43</a:t>
+            </a:r>
+          </a:p>
+        </p:txBody>
+      </p:sp>
+    </p:spTree>
+    <p:extLst>
+      <p:ext uri="{BB962C8B-B14F-4D97-AF65-F5344CB8AC3E}">
+        <p14:creationId xmlns:p14="http://schemas.microsoft.com/office/powerpoint/2010/main" val="1170072756"/>
+      </p:ext>
+    </p:extLst>
+  </p:cSld>
+  <p:clrMapOvr>
+    <a:masterClrMapping/>
+  </p:clrMapOvr>
+</p:sld>
+</file>
+
+<file path=ppt/slides/slide16.xml><?xml version="1.0" encoding="utf-8"?>
+<p:sld xmlns:a="http://schemas.openxmlformats.org/drawingml/2006/main" xmlns:r="http://schemas.openxmlformats.org/officeDocument/2006/relationships" xmlns:p="http://schemas.openxmlformats.org/presentationml/2006/main">
+  <p:cSld>
+    <p:spTree>
+      <p:nvGrpSpPr>
+        <p:cNvPr id="1" name=""/>
+        <p:cNvGrpSpPr/>
+        <p:nvPr/>
+      </p:nvGrpSpPr>
+      <p:grpSpPr>
+        <a:xfrm>
+          <a:off x="0" y="0"/>
+          <a:ext cx="0" cy="0"/>
+          <a:chOff x="0" y="0"/>
+          <a:chExt cx="0" cy="0"/>
+        </a:xfrm>
+      </p:grpSpPr>
+      <p:pic>
+        <p:nvPicPr>
+          <p:cNvPr id="3" name="Picture 2">
+            <a:extLst>
+              <a:ext uri="{FF2B5EF4-FFF2-40B4-BE49-F238E27FC236}">
+                <a16:creationId xmlns:a16="http://schemas.microsoft.com/office/drawing/2014/main" id="{37F8E0C9-614E-A247-8D73-B97D07256558}"/>
+              </a:ext>
+            </a:extLst>
+          </p:cNvPr>
+          <p:cNvPicPr>
+            <a:picLocks noChangeAspect="1"/>
+          </p:cNvPicPr>
+          <p:nvPr/>
+        </p:nvPicPr>
+        <p:blipFill>
+          <a:blip r:embed="rId2"/>
+          <a:stretch>
+            <a:fillRect/>
+          </a:stretch>
+        </p:blipFill>
+        <p:spPr>
+          <a:xfrm>
+            <a:off x="0" y="3429000"/>
+            <a:ext cx="7315200" cy="3657600"/>
+          </a:xfrm>
+          <a:prstGeom prst="rect">
+            <a:avLst/>
+          </a:prstGeom>
+        </p:spPr>
+      </p:pic>
+      <p:pic>
+        <p:nvPicPr>
+          <p:cNvPr id="5" name="Picture 4">
+            <a:extLst>
+              <a:ext uri="{FF2B5EF4-FFF2-40B4-BE49-F238E27FC236}">
+                <a16:creationId xmlns:a16="http://schemas.microsoft.com/office/drawing/2014/main" id="{0BA5F8B6-5740-464A-AC91-BF9B6A77612D}"/>
+              </a:ext>
+            </a:extLst>
+          </p:cNvPr>
+          <p:cNvPicPr>
+            <a:picLocks noChangeAspect="1"/>
+          </p:cNvPicPr>
+          <p:nvPr/>
+        </p:nvPicPr>
+        <p:blipFill>
+          <a:blip r:embed="rId3"/>
+          <a:stretch>
+            <a:fillRect/>
+          </a:stretch>
+        </p:blipFill>
+        <p:spPr>
+          <a:xfrm>
+            <a:off x="0" y="0"/>
+            <a:ext cx="7315200" cy="3657600"/>
+          </a:xfrm>
+          <a:prstGeom prst="rect">
+            <a:avLst/>
+          </a:prstGeom>
+        </p:spPr>
+      </p:pic>
+      <p:sp>
+        <p:nvSpPr>
+          <p:cNvPr id="6" name="TextBox 5">
+            <a:extLst>
+              <a:ext uri="{FF2B5EF4-FFF2-40B4-BE49-F238E27FC236}">
+                <a16:creationId xmlns:a16="http://schemas.microsoft.com/office/drawing/2014/main" id="{B47988C3-0EA8-5C4A-9256-9EB4155A492C}"/>
+              </a:ext>
+            </a:extLst>
+          </p:cNvPr>
+          <p:cNvSpPr txBox="1"/>
+          <p:nvPr/>
+        </p:nvSpPr>
+        <p:spPr>
+          <a:xfrm>
+            <a:off x="1321422" y="2832939"/>
+            <a:ext cx="5451612" cy="369332"/>
+          </a:xfrm>
+          <a:prstGeom prst="rect">
+            <a:avLst/>
+          </a:prstGeom>
+          <a:noFill/>
+        </p:spPr>
+        <p:txBody>
+          <a:bodyPr wrap="square" rtlCol="0">
+            <a:spAutoFit/>
+          </a:bodyPr>
+          <a:lstStyle/>
+          <a:p>
+            <a:r>
+              <a:rPr lang="en-NO" dirty="0"/>
+              <a:t>Temperature residual variogram along depth direction </a:t>
+            </a:r>
+          </a:p>
+        </p:txBody>
+      </p:sp>
+      <p:sp>
+        <p:nvSpPr>
+          <p:cNvPr id="8" name="TextBox 7">
+            <a:extLst>
+              <a:ext uri="{FF2B5EF4-FFF2-40B4-BE49-F238E27FC236}">
+                <a16:creationId xmlns:a16="http://schemas.microsoft.com/office/drawing/2014/main" id="{11095669-78B9-F049-928E-CFAE07865675}"/>
+              </a:ext>
+            </a:extLst>
+          </p:cNvPr>
+          <p:cNvSpPr txBox="1"/>
+          <p:nvPr/>
+        </p:nvSpPr>
+        <p:spPr>
+          <a:xfrm>
+            <a:off x="1475171" y="6386374"/>
+            <a:ext cx="4909446" cy="369332"/>
+          </a:xfrm>
+          <a:prstGeom prst="rect">
+            <a:avLst/>
+          </a:prstGeom>
+          <a:noFill/>
+        </p:spPr>
+        <p:txBody>
+          <a:bodyPr wrap="square" rtlCol="0">
+            <a:spAutoFit/>
+          </a:bodyPr>
+          <a:lstStyle/>
+          <a:p>
+            <a:r>
+              <a:rPr lang="en-NO" dirty="0"/>
+              <a:t>Salinity residual variogram along depth direction </a:t>
+            </a:r>
+          </a:p>
+        </p:txBody>
+      </p:sp>
+      <p:pic>
+        <p:nvPicPr>
+          <p:cNvPr id="10" name="Picture 9">
+            <a:extLst>
+              <a:ext uri="{FF2B5EF4-FFF2-40B4-BE49-F238E27FC236}">
+                <a16:creationId xmlns:a16="http://schemas.microsoft.com/office/drawing/2014/main" id="{8D4968F5-F0C0-2B43-ACB5-0A2D1DD00D9D}"/>
+              </a:ext>
+            </a:extLst>
+          </p:cNvPr>
+          <p:cNvPicPr>
+            <a:picLocks noChangeAspect="1"/>
+          </p:cNvPicPr>
+          <p:nvPr/>
+        </p:nvPicPr>
+        <p:blipFill>
+          <a:blip r:embed="rId4"/>
+          <a:stretch>
+            <a:fillRect/>
+          </a:stretch>
+        </p:blipFill>
+        <p:spPr>
+          <a:xfrm>
+            <a:off x="8077200" y="1105739"/>
+            <a:ext cx="2971800" cy="1727200"/>
+          </a:xfrm>
+          <a:prstGeom prst="rect">
+            <a:avLst/>
+          </a:prstGeom>
+        </p:spPr>
+      </p:pic>
+      <p:pic>
+        <p:nvPicPr>
+          <p:cNvPr id="11" name="Picture 10">
+            <a:extLst>
+              <a:ext uri="{FF2B5EF4-FFF2-40B4-BE49-F238E27FC236}">
+                <a16:creationId xmlns:a16="http://schemas.microsoft.com/office/drawing/2014/main" id="{F366D0BE-7AE8-4B4D-A573-FFEF0BE4A2DE}"/>
+              </a:ext>
+            </a:extLst>
+          </p:cNvPr>
+          <p:cNvPicPr>
+            <a:picLocks noChangeAspect="1"/>
+          </p:cNvPicPr>
+          <p:nvPr/>
+        </p:nvPicPr>
+        <p:blipFill>
+          <a:blip r:embed="rId5"/>
+          <a:stretch>
+            <a:fillRect/>
+          </a:stretch>
+        </p:blipFill>
+        <p:spPr>
+          <a:xfrm>
+            <a:off x="8077200" y="4748074"/>
+            <a:ext cx="2921000" cy="1638300"/>
+          </a:xfrm>
+          <a:prstGeom prst="rect">
+            <a:avLst/>
+          </a:prstGeom>
+        </p:spPr>
+      </p:pic>
+    </p:spTree>
+    <p:extLst>
+      <p:ext uri="{BB962C8B-B14F-4D97-AF65-F5344CB8AC3E}">
+        <p14:creationId xmlns:p14="http://schemas.microsoft.com/office/powerpoint/2010/main" val="3096281217"/>
+      </p:ext>
+    </p:extLst>
+  </p:cSld>
+  <p:clrMapOvr>
+    <a:masterClrMapping/>
+  </p:clrMapOvr>
+</p:sld>
+</file>
+
+<file path=ppt/slides/slide17.xml><?xml version="1.0" encoding="utf-8"?>
+<p:sld xmlns:a="http://schemas.openxmlformats.org/drawingml/2006/main" xmlns:r="http://schemas.openxmlformats.org/officeDocument/2006/relationships" xmlns:p="http://schemas.openxmlformats.org/presentationml/2006/main">
+  <p:cSld>
+    <p:spTree>
+      <p:nvGrpSpPr>
+        <p:cNvPr id="1" name=""/>
+        <p:cNvGrpSpPr/>
+        <p:nvPr/>
+      </p:nvGrpSpPr>
+      <p:grpSpPr>
+        <a:xfrm>
+          <a:off x="0" y="0"/>
+          <a:ext cx="0" cy="0"/>
+          <a:chOff x="0" y="0"/>
+          <a:chExt cx="0" cy="0"/>
+        </a:xfrm>
+      </p:grpSpPr>
+      <p:pic>
+        <p:nvPicPr>
+          <p:cNvPr id="13" name="Picture 12">
+            <a:extLst>
+              <a:ext uri="{FF2B5EF4-FFF2-40B4-BE49-F238E27FC236}">
+                <a16:creationId xmlns:a16="http://schemas.microsoft.com/office/drawing/2014/main" id="{0C018DA5-F22E-F74D-864A-BEA39104F343}"/>
+              </a:ext>
+            </a:extLst>
+          </p:cNvPr>
+          <p:cNvPicPr>
+            <a:picLocks noChangeAspect="1"/>
+          </p:cNvPicPr>
+          <p:nvPr/>
+        </p:nvPicPr>
+        <p:blipFill>
+          <a:blip r:embed="rId2"/>
+          <a:stretch>
+            <a:fillRect/>
+          </a:stretch>
+        </p:blipFill>
+        <p:spPr>
+          <a:xfrm>
+            <a:off x="1349067" y="0"/>
+            <a:ext cx="4746933" cy="3562774"/>
+          </a:xfrm>
+          <a:prstGeom prst="rect">
+            <a:avLst/>
+          </a:prstGeom>
+        </p:spPr>
+      </p:pic>
+      <p:pic>
+        <p:nvPicPr>
+          <p:cNvPr id="9" name="Picture 8">
+            <a:extLst>
+              <a:ext uri="{FF2B5EF4-FFF2-40B4-BE49-F238E27FC236}">
+                <a16:creationId xmlns:a16="http://schemas.microsoft.com/office/drawing/2014/main" id="{0A480F0C-0A48-9447-A2CC-88F328DB580D}"/>
+              </a:ext>
+            </a:extLst>
+          </p:cNvPr>
+          <p:cNvPicPr>
+            <a:picLocks noChangeAspect="1"/>
+          </p:cNvPicPr>
+          <p:nvPr/>
+        </p:nvPicPr>
+        <p:blipFill>
+          <a:blip r:embed="rId3"/>
+          <a:stretch>
+            <a:fillRect/>
+          </a:stretch>
+        </p:blipFill>
+        <p:spPr>
+          <a:xfrm>
+            <a:off x="1410378" y="3173253"/>
+            <a:ext cx="4909446" cy="3684747"/>
+          </a:xfrm>
+          <a:prstGeom prst="rect">
+            <a:avLst/>
+          </a:prstGeom>
+        </p:spPr>
+      </p:pic>
+      <p:sp>
+        <p:nvSpPr>
+          <p:cNvPr id="8" name="TextBox 7">
+            <a:extLst>
+              <a:ext uri="{FF2B5EF4-FFF2-40B4-BE49-F238E27FC236}">
+                <a16:creationId xmlns:a16="http://schemas.microsoft.com/office/drawing/2014/main" id="{11095669-78B9-F049-928E-CFAE07865675}"/>
+              </a:ext>
+            </a:extLst>
+          </p:cNvPr>
+          <p:cNvSpPr txBox="1"/>
+          <p:nvPr/>
+        </p:nvSpPr>
+        <p:spPr>
+          <a:xfrm>
+            <a:off x="7542904" y="5864784"/>
+            <a:ext cx="4909446" cy="369332"/>
+          </a:xfrm>
+          <a:prstGeom prst="rect">
+            <a:avLst/>
+          </a:prstGeom>
+          <a:noFill/>
+        </p:spPr>
+        <p:txBody>
+          <a:bodyPr wrap="square" rtlCol="0">
+            <a:spAutoFit/>
+          </a:bodyPr>
+          <a:lstStyle/>
+          <a:p>
+            <a:r>
+              <a:rPr lang="en-NO" dirty="0"/>
+              <a:t>Correlation matrix for salinity residual and depth</a:t>
+            </a:r>
+          </a:p>
+        </p:txBody>
+      </p:sp>
+      <p:pic>
+        <p:nvPicPr>
+          <p:cNvPr id="2" name="Picture 1">
+            <a:extLst>
+              <a:ext uri="{FF2B5EF4-FFF2-40B4-BE49-F238E27FC236}">
+                <a16:creationId xmlns:a16="http://schemas.microsoft.com/office/drawing/2014/main" id="{0EC46ED7-A0E5-4A49-B176-D54FB983D79B}"/>
+              </a:ext>
+            </a:extLst>
+          </p:cNvPr>
+          <p:cNvPicPr>
+            <a:picLocks noChangeAspect="1"/>
+          </p:cNvPicPr>
+          <p:nvPr/>
+        </p:nvPicPr>
+        <p:blipFill>
+          <a:blip r:embed="rId4"/>
+          <a:stretch>
+            <a:fillRect/>
+          </a:stretch>
+        </p:blipFill>
+        <p:spPr>
+          <a:xfrm>
+            <a:off x="7715250" y="5091861"/>
+            <a:ext cx="3695700" cy="660400"/>
+          </a:xfrm>
+          <a:prstGeom prst="rect">
+            <a:avLst/>
+          </a:prstGeom>
+        </p:spPr>
+      </p:pic>
+      <p:pic>
+        <p:nvPicPr>
+          <p:cNvPr id="4" name="Picture 3">
+            <a:extLst>
+              <a:ext uri="{FF2B5EF4-FFF2-40B4-BE49-F238E27FC236}">
+                <a16:creationId xmlns:a16="http://schemas.microsoft.com/office/drawing/2014/main" id="{9B8896A7-2420-B24B-BBE9-D28EB9B05CCB}"/>
+              </a:ext>
+            </a:extLst>
+          </p:cNvPr>
+          <p:cNvPicPr>
+            <a:picLocks noChangeAspect="1"/>
+          </p:cNvPicPr>
+          <p:nvPr/>
+        </p:nvPicPr>
+        <p:blipFill>
+          <a:blip r:embed="rId5"/>
+          <a:stretch>
+            <a:fillRect/>
+          </a:stretch>
+        </p:blipFill>
+        <p:spPr>
+          <a:xfrm>
+            <a:off x="7715250" y="1905000"/>
+            <a:ext cx="3644900" cy="635000"/>
+          </a:xfrm>
+          <a:prstGeom prst="rect">
+            <a:avLst/>
+          </a:prstGeom>
+        </p:spPr>
+      </p:pic>
+      <p:sp>
+        <p:nvSpPr>
+          <p:cNvPr id="14" name="TextBox 13">
+            <a:extLst>
+              <a:ext uri="{FF2B5EF4-FFF2-40B4-BE49-F238E27FC236}">
+                <a16:creationId xmlns:a16="http://schemas.microsoft.com/office/drawing/2014/main" id="{1C395943-860C-E240-A90C-4231DFC5FAAA}"/>
+              </a:ext>
+            </a:extLst>
+          </p:cNvPr>
+          <p:cNvSpPr txBox="1"/>
+          <p:nvPr/>
+        </p:nvSpPr>
+        <p:spPr>
+          <a:xfrm>
+            <a:off x="6393554" y="623884"/>
+            <a:ext cx="4909446" cy="923330"/>
+          </a:xfrm>
+          <a:prstGeom prst="rect">
+            <a:avLst/>
+          </a:prstGeom>
+          <a:noFill/>
+        </p:spPr>
+        <p:txBody>
+          <a:bodyPr wrap="square" rtlCol="0">
+            <a:spAutoFit/>
+          </a:bodyPr>
+          <a:lstStyle/>
+          <a:p>
+            <a:r>
+              <a:rPr lang="en-NO" dirty="0"/>
+              <a:t>It does seem clear that the residual has a strong correlation with depth. Or maybe I used the wrong data. Each</a:t>
+            </a:r>
+          </a:p>
+        </p:txBody>
+      </p:sp>
+      <p:sp>
+        <p:nvSpPr>
+          <p:cNvPr id="15" name="TextBox 14">
+            <a:extLst>
+              <a:ext uri="{FF2B5EF4-FFF2-40B4-BE49-F238E27FC236}">
+                <a16:creationId xmlns:a16="http://schemas.microsoft.com/office/drawing/2014/main" id="{68FFA9C8-80D9-D64C-995A-E0FA1056FB38}"/>
+              </a:ext>
+            </a:extLst>
+          </p:cNvPr>
+          <p:cNvSpPr txBox="1"/>
+          <p:nvPr/>
+        </p:nvSpPr>
+        <p:spPr>
+          <a:xfrm>
+            <a:off x="7023100" y="2651684"/>
+            <a:ext cx="5314950" cy="369332"/>
+          </a:xfrm>
+          <a:prstGeom prst="rect">
+            <a:avLst/>
+          </a:prstGeom>
+          <a:noFill/>
+        </p:spPr>
+        <p:txBody>
+          <a:bodyPr wrap="square" rtlCol="0">
+            <a:spAutoFit/>
+          </a:bodyPr>
+          <a:lstStyle/>
+          <a:p>
+            <a:r>
+              <a:rPr lang="en-NO" dirty="0"/>
+              <a:t>Correlation matrix for temperature residual and depth</a:t>
+            </a:r>
+          </a:p>
+        </p:txBody>
+      </p:sp>
+    </p:spTree>
+    <p:extLst>
+      <p:ext uri="{BB962C8B-B14F-4D97-AF65-F5344CB8AC3E}">
+        <p14:creationId xmlns:p14="http://schemas.microsoft.com/office/powerpoint/2010/main" val="1182841440"/>
+      </p:ext>
+    </p:extLst>
+  </p:cSld>
+  <p:clrMapOvr>
+    <a:masterClrMapping/>
+  </p:clrMapOvr>
+</p:sld>
+</file>
+
 <file path=ppt/slides/slide2.xml><?xml version="1.0" encoding="utf-8"?>
 <p:sld xmlns:a="http://schemas.openxmlformats.org/drawingml/2006/main" xmlns:r="http://schemas.openxmlformats.org/officeDocument/2006/relationships" xmlns:p="http://schemas.openxmlformats.org/presentationml/2006/main">
   <p:cSld>
@@ -4647,9 +5222,10 @@
           <a:lstStyle/>
           <a:p>
             <a:r>
-              <a:rPr lang="en-NO" dirty="0"/>
+              <a:rPr lang="en-NO"/>
               <a:t>Temperature coef</a:t>
             </a:r>
+            <a:endParaRPr lang="en-NO" dirty="0"/>
           </a:p>
         </p:txBody>
       </p:sp>
@@ -4682,7 +5258,7 @@
             </a:r>
             <a:r>
               <a:rPr lang="en-NO" dirty="0"/>
-              <a:t>igma = sqrt(30)</a:t>
+              <a:t>igma = sqrt(0.5)</a:t>
             </a:r>
           </a:p>
           <a:p>
@@ -4692,7 +5268,7 @@
             </a:r>
             <a:r>
               <a:rPr lang="en-NO" dirty="0"/>
-              <a:t>ta = sqrt(3) / 500</a:t>
+              <a:t>ta = 4.5 / 400</a:t>
             </a:r>
           </a:p>
           <a:p>
@@ -4702,7 +5278,7 @@
             </a:r>
             <a:r>
               <a:rPr lang="en-NO" dirty="0"/>
-              <a:t>au = 0.3</a:t>
+              <a:t>au = sqrt(0.1)</a:t>
             </a:r>
           </a:p>
           <a:p>
